--- a/mod_05_list_tuple_dict/mod_05.pptx
+++ b/mod_05_list_tuple_dict/mod_05.pptx
@@ -6564,7 +6564,7 @@
                 <a:solidFill>
                   <a:srgbClr val="FFFFFF"/>
                 </a:solidFill>
-                <a:tableStyleId>{982BA47F-385F-4C16-BD77-56BF3E8CDCF4}</a:tableStyleId>
+                <a:tableStyleId>{FA7CFC24-28EE-4E53-A50F-F8F0F059822F}</a:tableStyleId>
               </a:tblPr>
               <a:tblGrid>
                 <a:gridCol w="1478875"/>
